--- a/COMMUNICATION/Convention_Collective.pptx
+++ b/COMMUNICATION/Convention_Collective.pptx
@@ -2560,11 +2560,7 @@
           </a:r>
           <a:r>
             <a:rPr lang="en-US" dirty="0" smtClean="0"/>
-            <a:t> </a:t>
-          </a:r>
-          <a:r>
-            <a:rPr lang="en-US" dirty="0" smtClean="0"/>
-            <a:t>de </a:t>
+            <a:t> de </a:t>
           </a:r>
           <a:r>
             <a:rPr lang="en-US" dirty="0" err="1" smtClean="0"/>
@@ -2621,11 +2617,7 @@
         <a:p>
           <a:r>
             <a:rPr lang="en-US" dirty="0" smtClean="0"/>
-            <a:t>Droits </a:t>
-          </a:r>
-          <a:r>
-            <a:rPr lang="en-US" dirty="0" smtClean="0"/>
-            <a:t>à des </a:t>
+            <a:t>Droits à des </a:t>
           </a:r>
           <a:r>
             <a:rPr lang="en-US" dirty="0" err="1" smtClean="0"/>
@@ -2682,11 +2674,7 @@
         <a:p>
           <a:r>
             <a:rPr lang="en-US" dirty="0" smtClean="0"/>
-            <a:t>Grille </a:t>
-          </a:r>
-          <a:r>
-            <a:rPr lang="en-US" dirty="0" smtClean="0"/>
-            <a:t>de </a:t>
+            <a:t>Grille de </a:t>
           </a:r>
           <a:r>
             <a:rPr lang="en-US" dirty="0" err="1" smtClean="0"/>
@@ -3449,12 +3437,12 @@
         <a:lstStyle/>
         <a:p>
           <a:r>
-            <a:rPr lang="en-US" dirty="0" err="1" smtClean="0">
+            <a:rPr lang="en-US" smtClean="0">
               <a:ea typeface="Helvetica Neue"/>
               <a:cs typeface="Helvetica Neue"/>
               <a:sym typeface="Helvetica Neue"/>
             </a:rPr>
-            <a:t>Optionelle</a:t>
+            <a:t>Optionnelle</a:t>
           </a:r>
           <a:r>
             <a:rPr lang="en-US" dirty="0" smtClean="0">
@@ -3992,11 +3980,7 @@
           </a:r>
           <a:r>
             <a:rPr lang="en-US" sz="1800" kern="1200" dirty="0" smtClean="0"/>
-            <a:t> </a:t>
-          </a:r>
-          <a:r>
-            <a:rPr lang="en-US" sz="1800" kern="1200" dirty="0" smtClean="0"/>
-            <a:t>de </a:t>
+            <a:t> de </a:t>
           </a:r>
           <a:r>
             <a:rPr lang="en-US" sz="1800" kern="1200" dirty="0" err="1" smtClean="0"/>
@@ -4151,11 +4135,7 @@
           </a:pPr>
           <a:r>
             <a:rPr lang="en-US" sz="1800" kern="1200" dirty="0" smtClean="0"/>
-            <a:t>Droits </a:t>
-          </a:r>
-          <a:r>
-            <a:rPr lang="en-US" sz="1800" kern="1200" dirty="0" smtClean="0"/>
-            <a:t>à des </a:t>
+            <a:t>Droits à des </a:t>
           </a:r>
           <a:r>
             <a:rPr lang="en-US" sz="1800" kern="1200" dirty="0" err="1" smtClean="0"/>
@@ -4310,11 +4290,7 @@
           </a:pPr>
           <a:r>
             <a:rPr lang="en-US" sz="1800" kern="1200" dirty="0" smtClean="0"/>
-            <a:t>Grille </a:t>
-          </a:r>
-          <a:r>
-            <a:rPr lang="en-US" sz="1800" kern="1200" dirty="0" smtClean="0"/>
-            <a:t>de </a:t>
+            <a:t>Grille de </a:t>
           </a:r>
           <a:r>
             <a:rPr lang="en-US" sz="1800" kern="1200" dirty="0" err="1" smtClean="0"/>
@@ -5294,12 +5270,12 @@
             <a:buChar char="••"/>
           </a:pPr>
           <a:r>
-            <a:rPr lang="en-US" sz="3100" kern="1200" dirty="0" err="1" smtClean="0">
+            <a:rPr lang="en-US" sz="3100" kern="1200" smtClean="0">
               <a:ea typeface="Helvetica Neue"/>
               <a:cs typeface="Helvetica Neue"/>
               <a:sym typeface="Helvetica Neue"/>
             </a:rPr>
-            <a:t>Optionelle</a:t>
+            <a:t>Optionnelle</a:t>
           </a:r>
           <a:r>
             <a:rPr lang="en-US" sz="3100" kern="1200" dirty="0" smtClean="0">
@@ -12085,6 +12061,18 @@
   <p:clrMapOvr>
     <a:overrideClrMapping bg1="dk1" tx1="lt1" bg2="dk2" tx2="lt2" accent1="accent1" accent2="accent2" accent3="accent3" accent4="accent4" accent5="accent5" accent6="accent6" hlink="hlink" folHlink="folHlink"/>
   </p:clrMapOvr>
+  <mc:AlternateContent xmlns:mc="http://schemas.openxmlformats.org/markup-compatibility/2006">
+    <mc:Choice xmlns:p14="http://schemas.microsoft.com/office/powerpoint/2010/main" Requires="p14">
+      <p:transition spd="med" p14:dur="700">
+        <p:fade/>
+      </p:transition>
+    </mc:Choice>
+    <mc:Fallback>
+      <p:transition spd="med">
+        <p:fade/>
+      </p:transition>
+    </mc:Fallback>
+  </mc:AlternateContent>
   <p:hf sldNum="0" hdr="0" ftr="0" dt="0"/>
 </p:sldLayout>
 </file>
@@ -12255,6 +12243,18 @@
   <p:clrMapOvr>
     <a:masterClrMapping/>
   </p:clrMapOvr>
+  <mc:AlternateContent xmlns:mc="http://schemas.openxmlformats.org/markup-compatibility/2006">
+    <mc:Choice xmlns:p14="http://schemas.microsoft.com/office/powerpoint/2010/main" Requires="p14">
+      <p:transition spd="med" p14:dur="700">
+        <p:fade/>
+      </p:transition>
+    </mc:Choice>
+    <mc:Fallback>
+      <p:transition spd="med">
+        <p:fade/>
+      </p:transition>
+    </mc:Fallback>
+  </mc:AlternateContent>
   <p:hf sldNum="0" hdr="0" ftr="0" dt="0"/>
 </p:sldLayout>
 </file>
@@ -12586,6 +12586,18 @@
   <p:clrMapOvr>
     <a:overrideClrMapping bg1="lt1" tx1="dk1" bg2="lt2" tx2="dk2" accent1="accent1" accent2="accent2" accent3="accent3" accent4="accent4" accent5="accent5" accent6="accent6" hlink="hlink" folHlink="folHlink"/>
   </p:clrMapOvr>
+  <mc:AlternateContent xmlns:mc="http://schemas.openxmlformats.org/markup-compatibility/2006">
+    <mc:Choice xmlns:p14="http://schemas.microsoft.com/office/powerpoint/2010/main" Requires="p14">
+      <p:transition spd="med" p14:dur="700">
+        <p:fade/>
+      </p:transition>
+    </mc:Choice>
+    <mc:Fallback>
+      <p:transition spd="med">
+        <p:fade/>
+      </p:transition>
+    </mc:Fallback>
+  </mc:AlternateContent>
   <p:hf sldNum="0" hdr="0" ftr="0" dt="0"/>
 </p:sldLayout>
 </file>
@@ -12794,6 +12806,18 @@
   <p:clrMapOvr>
     <a:masterClrMapping/>
   </p:clrMapOvr>
+  <mc:AlternateContent xmlns:mc="http://schemas.openxmlformats.org/markup-compatibility/2006">
+    <mc:Choice xmlns:p14="http://schemas.microsoft.com/office/powerpoint/2010/main" Requires="p14">
+      <p:transition spd="med" p14:dur="700">
+        <p:fade/>
+      </p:transition>
+    </mc:Choice>
+    <mc:Fallback>
+      <p:transition spd="med">
+        <p:fade/>
+      </p:transition>
+    </mc:Fallback>
+  </mc:AlternateContent>
 </p:sldLayout>
 </file>
 
@@ -13009,6 +13033,18 @@
   <p:clrMapOvr>
     <a:masterClrMapping/>
   </p:clrMapOvr>
+  <mc:AlternateContent xmlns:mc="http://schemas.openxmlformats.org/markup-compatibility/2006">
+    <mc:Choice xmlns:p14="http://schemas.microsoft.com/office/powerpoint/2010/main" Requires="p14">
+      <p:transition spd="med" p14:dur="700">
+        <p:fade/>
+      </p:transition>
+    </mc:Choice>
+    <mc:Fallback>
+      <p:transition spd="med">
+        <p:fade/>
+      </p:transition>
+    </mc:Fallback>
+  </mc:AlternateContent>
 </p:sldLayout>
 </file>
 
@@ -13120,6 +13156,18 @@
   <p:clrMapOvr>
     <a:masterClrMapping/>
   </p:clrMapOvr>
+  <mc:AlternateContent xmlns:mc="http://schemas.openxmlformats.org/markup-compatibility/2006">
+    <mc:Choice xmlns:p14="http://schemas.microsoft.com/office/powerpoint/2010/main" Requires="p14">
+      <p:transition spd="med" p14:dur="700">
+        <p:fade/>
+      </p:transition>
+    </mc:Choice>
+    <mc:Fallback>
+      <p:transition spd="med">
+        <p:fade/>
+      </p:transition>
+    </mc:Fallback>
+  </mc:AlternateContent>
 </p:sldLayout>
 </file>
 
@@ -13145,6 +13193,18 @@
   <p:clrMapOvr>
     <a:masterClrMapping/>
   </p:clrMapOvr>
+  <mc:AlternateContent xmlns:mc="http://schemas.openxmlformats.org/markup-compatibility/2006">
+    <mc:Choice xmlns:p14="http://schemas.microsoft.com/office/powerpoint/2010/main" Requires="p14">
+      <p:transition spd="med" p14:dur="700">
+        <p:fade/>
+      </p:transition>
+    </mc:Choice>
+    <mc:Fallback>
+      <p:transition spd="med">
+        <p:fade/>
+      </p:transition>
+    </mc:Fallback>
+  </mc:AlternateContent>
 </p:sldLayout>
 </file>
 
@@ -13314,6 +13374,18 @@
   <p:clrMapOvr>
     <a:masterClrMapping/>
   </p:clrMapOvr>
+  <mc:AlternateContent xmlns:mc="http://schemas.openxmlformats.org/markup-compatibility/2006">
+    <mc:Choice xmlns:p14="http://schemas.microsoft.com/office/powerpoint/2010/main" Requires="p14">
+      <p:transition spd="med" p14:dur="700">
+        <p:fade/>
+      </p:transition>
+    </mc:Choice>
+    <mc:Fallback>
+      <p:transition spd="med">
+        <p:fade/>
+      </p:transition>
+    </mc:Fallback>
+  </mc:AlternateContent>
   <p:hf sldNum="0" hdr="0" ftr="0" dt="0"/>
 </p:sldLayout>
 </file>
@@ -13810,6 +13882,18 @@
   <p:clrMapOvr>
     <a:overrideClrMapping bg1="lt1" tx1="dk1" bg2="lt2" tx2="dk2" accent1="accent1" accent2="accent2" accent3="accent3" accent4="accent4" accent5="accent5" accent6="accent6" hlink="hlink" folHlink="folHlink"/>
   </p:clrMapOvr>
+  <mc:AlternateContent xmlns:mc="http://schemas.openxmlformats.org/markup-compatibility/2006">
+    <mc:Choice xmlns:p14="http://schemas.microsoft.com/office/powerpoint/2010/main" Requires="p14">
+      <p:transition spd="med" p14:dur="700">
+        <p:fade/>
+      </p:transition>
+    </mc:Choice>
+    <mc:Fallback>
+      <p:transition spd="med">
+        <p:fade/>
+      </p:transition>
+    </mc:Fallback>
+  </mc:AlternateContent>
   <p:hf sldNum="0" hdr="0" ftr="0" dt="0"/>
 </p:sldLayout>
 </file>
@@ -14098,6 +14182,18 @@
   <p:clrMapOvr>
     <a:masterClrMapping/>
   </p:clrMapOvr>
+  <mc:AlternateContent xmlns:mc="http://schemas.openxmlformats.org/markup-compatibility/2006">
+    <mc:Choice xmlns:p14="http://schemas.microsoft.com/office/powerpoint/2010/main" Requires="p14">
+      <p:transition spd="med" p14:dur="700">
+        <p:fade/>
+      </p:transition>
+    </mc:Choice>
+    <mc:Fallback>
+      <p:transition spd="med">
+        <p:fade/>
+      </p:transition>
+    </mc:Fallback>
+  </mc:AlternateContent>
   <p:hf sldNum="0" hdr="0" ftr="0" dt="0"/>
 </p:sldLayout>
 </file>
@@ -14520,6 +14616,18 @@
   <p:clrMapOvr>
     <a:masterClrMapping/>
   </p:clrMapOvr>
+  <mc:AlternateContent xmlns:mc="http://schemas.openxmlformats.org/markup-compatibility/2006">
+    <mc:Choice xmlns:p14="http://schemas.microsoft.com/office/powerpoint/2010/main" Requires="p14">
+      <p:transition spd="med" p14:dur="700">
+        <p:fade/>
+      </p:transition>
+    </mc:Choice>
+    <mc:Fallback>
+      <p:transition spd="med">
+        <p:fade/>
+      </p:transition>
+    </mc:Fallback>
+  </mc:AlternateContent>
   <p:hf sldNum="0" hdr="0" ftr="0" dt="0"/>
 </p:sldLayout>
 </file>
@@ -14638,6 +14746,18 @@
   <p:clrMapOvr>
     <a:masterClrMapping/>
   </p:clrMapOvr>
+  <mc:AlternateContent xmlns:mc="http://schemas.openxmlformats.org/markup-compatibility/2006">
+    <mc:Choice xmlns:p14="http://schemas.microsoft.com/office/powerpoint/2010/main" Requires="p14">
+      <p:transition spd="med" p14:dur="700">
+        <p:fade/>
+      </p:transition>
+    </mc:Choice>
+    <mc:Fallback>
+      <p:transition spd="med">
+        <p:fade/>
+      </p:transition>
+    </mc:Fallback>
+  </mc:AlternateContent>
   <p:hf sldNum="0" hdr="0" ftr="0" dt="0"/>
 </p:sldLayout>
 </file>
@@ -14737,6 +14857,18 @@
   <p:clrMapOvr>
     <a:masterClrMapping/>
   </p:clrMapOvr>
+  <mc:AlternateContent xmlns:mc="http://schemas.openxmlformats.org/markup-compatibility/2006">
+    <mc:Choice xmlns:p14="http://schemas.microsoft.com/office/powerpoint/2010/main" Requires="p14">
+      <p:transition spd="med" p14:dur="700">
+        <p:fade/>
+      </p:transition>
+    </mc:Choice>
+    <mc:Fallback>
+      <p:transition spd="med">
+        <p:fade/>
+      </p:transition>
+    </mc:Fallback>
+  </mc:AlternateContent>
   <p:hf sldNum="0" hdr="0" ftr="0" dt="0"/>
 </p:sldLayout>
 </file>
@@ -15166,6 +15298,18 @@
   <p:clrMapOvr>
     <a:masterClrMapping/>
   </p:clrMapOvr>
+  <mc:AlternateContent xmlns:mc="http://schemas.openxmlformats.org/markup-compatibility/2006">
+    <mc:Choice xmlns:p14="http://schemas.microsoft.com/office/powerpoint/2010/main" Requires="p14">
+      <p:transition spd="med" p14:dur="700">
+        <p:fade/>
+      </p:transition>
+    </mc:Choice>
+    <mc:Fallback>
+      <p:transition spd="med">
+        <p:fade/>
+      </p:transition>
+    </mc:Fallback>
+  </mc:AlternateContent>
   <p:hf sldNum="0" hdr="0" ftr="0" dt="0"/>
 </p:sldLayout>
 </file>
@@ -15586,6 +15730,18 @@
   <p:clrMapOvr>
     <a:masterClrMapping/>
   </p:clrMapOvr>
+  <mc:AlternateContent xmlns:mc="http://schemas.openxmlformats.org/markup-compatibility/2006">
+    <mc:Choice xmlns:p14="http://schemas.microsoft.com/office/powerpoint/2010/main" Requires="p14">
+      <p:transition spd="med" p14:dur="700">
+        <p:fade/>
+      </p:transition>
+    </mc:Choice>
+    <mc:Fallback>
+      <p:transition spd="med">
+        <p:fade/>
+      </p:transition>
+    </mc:Fallback>
+  </mc:AlternateContent>
   <p:hf sldNum="0" hdr="0" ftr="0" dt="0"/>
 </p:sldLayout>
 </file>
@@ -16000,6 +16156,18 @@
     <p:sldLayoutId id="2147483819" r:id="rId14"/>
     <p:sldLayoutId id="2147483820" r:id="rId15"/>
   </p:sldLayoutIdLst>
+  <mc:AlternateContent xmlns:mc="http://schemas.openxmlformats.org/markup-compatibility/2006">
+    <mc:Choice xmlns:p14="http://schemas.microsoft.com/office/powerpoint/2010/main" Requires="p14">
+      <p:transition spd="med" p14:dur="700">
+        <p:fade/>
+      </p:transition>
+    </mc:Choice>
+    <mc:Fallback>
+      <p:transition spd="med">
+        <p:fade/>
+      </p:transition>
+    </mc:Fallback>
+  </mc:AlternateContent>
   <p:hf sldNum="0" hdr="0" ftr="0" dt="0"/>
   <p:txStyles>
     <p:titleStyle>
@@ -16460,9 +16628,18 @@
   <p:clrMapOvr>
     <a:masterClrMapping/>
   </p:clrMapOvr>
-  <p:transition spd="slow">
-    <p:cut/>
-  </p:transition>
+  <mc:AlternateContent xmlns:mc="http://schemas.openxmlformats.org/markup-compatibility/2006">
+    <mc:Choice xmlns:p14="http://schemas.microsoft.com/office/powerpoint/2010/main" Requires="p14">
+      <p:transition spd="med" p14:dur="700">
+        <p:fade/>
+      </p:transition>
+    </mc:Choice>
+    <mc:Fallback>
+      <p:transition spd="med">
+        <p:fade/>
+      </p:transition>
+    </mc:Fallback>
+  </mc:AlternateContent>
   <p:timing>
     <p:tnLst>
       <p:par>
@@ -16954,9 +17131,18 @@
   <p:clrMapOvr>
     <a:masterClrMapping/>
   </p:clrMapOvr>
-  <p:transition spd="slow">
-    <p:cut/>
-  </p:transition>
+  <mc:AlternateContent xmlns:mc="http://schemas.openxmlformats.org/markup-compatibility/2006">
+    <mc:Choice xmlns:p14="http://schemas.microsoft.com/office/powerpoint/2010/main" Requires="p14">
+      <p:transition spd="med" p14:dur="700">
+        <p:fade/>
+      </p:transition>
+    </mc:Choice>
+    <mc:Fallback>
+      <p:transition spd="med">
+        <p:fade/>
+      </p:transition>
+    </mc:Fallback>
+  </mc:AlternateContent>
   <p:timing>
     <p:tnLst>
       <p:par>
@@ -17080,12 +17266,28 @@
               <a:t>: Les </a:t>
             </a:r>
             <a:r>
+              <a:rPr lang="fr-FR" sz="3200" dirty="0" smtClean="0">
+                <a:ea typeface="Helvetica Neue"/>
+                <a:cs typeface="Helvetica Neue"/>
+                <a:sym typeface="Helvetica Neue"/>
+              </a:rPr>
+              <a:t>salariés</a:t>
+            </a:r>
+            <a:r>
+              <a:rPr lang="en-US" sz="3200" dirty="0" smtClean="0">
+                <a:ea typeface="Helvetica Neue"/>
+                <a:cs typeface="Helvetica Neue"/>
+                <a:sym typeface="Helvetica Neue"/>
+              </a:rPr>
+              <a:t> </a:t>
+            </a:r>
+            <a:r>
               <a:rPr lang="en-US" sz="3200" dirty="0" err="1">
                 <a:ea typeface="Helvetica Neue"/>
                 <a:cs typeface="Helvetica Neue"/>
                 <a:sym typeface="Helvetica Neue"/>
               </a:rPr>
-              <a:t>salariés</a:t>
+              <a:t>peuvent</a:t>
             </a:r>
             <a:r>
               <a:rPr lang="en-US" sz="3200" dirty="0">
@@ -17101,7 +17303,55 @@
                 <a:cs typeface="Helvetica Neue"/>
                 <a:sym typeface="Helvetica Neue"/>
               </a:rPr>
-              <a:t>peuvent</a:t>
+              <a:t>donc</a:t>
+            </a:r>
+            <a:r>
+              <a:rPr lang="en-US" sz="3200" dirty="0">
+                <a:ea typeface="Helvetica Neue"/>
+                <a:cs typeface="Helvetica Neue"/>
+                <a:sym typeface="Helvetica Neue"/>
+              </a:rPr>
+              <a:t> ne pas </a:t>
+            </a:r>
+            <a:r>
+              <a:rPr lang="en-US" sz="3200" dirty="0" err="1">
+                <a:ea typeface="Helvetica Neue"/>
+                <a:cs typeface="Helvetica Neue"/>
+                <a:sym typeface="Helvetica Neue"/>
+              </a:rPr>
+              <a:t>avoir</a:t>
+            </a:r>
+            <a:r>
+              <a:rPr lang="en-US" sz="3200" dirty="0">
+                <a:ea typeface="Helvetica Neue"/>
+                <a:cs typeface="Helvetica Neue"/>
+                <a:sym typeface="Helvetica Neue"/>
+              </a:rPr>
+              <a:t> les </a:t>
+            </a:r>
+            <a:r>
+              <a:rPr lang="en-US" sz="3200" dirty="0" err="1">
+                <a:ea typeface="Helvetica Neue"/>
+                <a:cs typeface="Helvetica Neue"/>
+                <a:sym typeface="Helvetica Neue"/>
+              </a:rPr>
+              <a:t>mêmes</a:t>
+            </a:r>
+            <a:r>
+              <a:rPr lang="en-US" sz="3200" dirty="0">
+                <a:ea typeface="Helvetica Neue"/>
+                <a:cs typeface="Helvetica Neue"/>
+                <a:sym typeface="Helvetica Neue"/>
+              </a:rPr>
+              <a:t> droits </a:t>
+            </a:r>
+            <a:r>
+              <a:rPr lang="en-US" sz="3200" dirty="0" err="1">
+                <a:ea typeface="Helvetica Neue"/>
+                <a:cs typeface="Helvetica Neue"/>
+                <a:sym typeface="Helvetica Neue"/>
+              </a:rPr>
+              <a:t>d'une</a:t>
             </a:r>
             <a:r>
               <a:rPr lang="en-US" sz="3200" dirty="0">
@@ -17117,7 +17367,7 @@
                 <a:cs typeface="Helvetica Neue"/>
                 <a:sym typeface="Helvetica Neue"/>
               </a:rPr>
-              <a:t>donc</a:t>
+              <a:t>entreprise</a:t>
             </a:r>
             <a:r>
               <a:rPr lang="en-US" sz="3200" dirty="0">
@@ -17125,7 +17375,7 @@
                 <a:cs typeface="Helvetica Neue"/>
                 <a:sym typeface="Helvetica Neue"/>
               </a:rPr>
-              <a:t> ne pas </a:t>
+              <a:t> à </a:t>
             </a:r>
             <a:r>
               <a:rPr lang="en-US" sz="3200" dirty="0" err="1">
@@ -17133,39 +17383,7 @@
                 <a:cs typeface="Helvetica Neue"/>
                 <a:sym typeface="Helvetica Neue"/>
               </a:rPr>
-              <a:t>avoir</a:t>
-            </a:r>
-            <a:r>
-              <a:rPr lang="en-US" sz="3200" dirty="0">
-                <a:ea typeface="Helvetica Neue"/>
-                <a:cs typeface="Helvetica Neue"/>
-                <a:sym typeface="Helvetica Neue"/>
-              </a:rPr>
-              <a:t> les </a:t>
-            </a:r>
-            <a:r>
-              <a:rPr lang="en-US" sz="3200" dirty="0" err="1">
-                <a:ea typeface="Helvetica Neue"/>
-                <a:cs typeface="Helvetica Neue"/>
-                <a:sym typeface="Helvetica Neue"/>
-              </a:rPr>
-              <a:t>mêmes</a:t>
-            </a:r>
-            <a:r>
-              <a:rPr lang="en-US" sz="3200" dirty="0">
-                <a:ea typeface="Helvetica Neue"/>
-                <a:cs typeface="Helvetica Neue"/>
-                <a:sym typeface="Helvetica Neue"/>
-              </a:rPr>
-              <a:t> droits </a:t>
-            </a:r>
-            <a:r>
-              <a:rPr lang="en-US" sz="3200" dirty="0" err="1">
-                <a:ea typeface="Helvetica Neue"/>
-                <a:cs typeface="Helvetica Neue"/>
-                <a:sym typeface="Helvetica Neue"/>
-              </a:rPr>
-              <a:t>d'une</a:t>
+              <a:t>l'autre</a:t>
             </a:r>
             <a:r>
               <a:rPr lang="en-US" sz="3200" dirty="0">
@@ -17181,23 +17399,7 @@
                 <a:cs typeface="Helvetica Neue"/>
                 <a:sym typeface="Helvetica Neue"/>
               </a:rPr>
-              <a:t>entreprise</a:t>
-            </a:r>
-            <a:r>
-              <a:rPr lang="en-US" sz="3200" dirty="0">
-                <a:ea typeface="Helvetica Neue"/>
-                <a:cs typeface="Helvetica Neue"/>
-                <a:sym typeface="Helvetica Neue"/>
-              </a:rPr>
-              <a:t> à </a:t>
-            </a:r>
-            <a:r>
-              <a:rPr lang="en-US" sz="3200" dirty="0" err="1">
-                <a:ea typeface="Helvetica Neue"/>
-                <a:cs typeface="Helvetica Neue"/>
-                <a:sym typeface="Helvetica Neue"/>
-              </a:rPr>
-              <a:t>l'autre</a:t>
+              <a:t>mais</a:t>
             </a:r>
             <a:r>
               <a:rPr lang="en-US" sz="3200" dirty="0">
@@ -17208,12 +17410,20 @@
               <a:t> </a:t>
             </a:r>
             <a:r>
-              <a:rPr lang="en-US" sz="3200" dirty="0" err="1">
+              <a:rPr lang="en-US" sz="3200" dirty="0" err="1" smtClean="0">
                 <a:ea typeface="Helvetica Neue"/>
                 <a:cs typeface="Helvetica Neue"/>
                 <a:sym typeface="Helvetica Neue"/>
               </a:rPr>
-              <a:t>mais</a:t>
+              <a:t>ont</a:t>
+            </a:r>
+            <a:r>
+              <a:rPr lang="en-US" sz="3200" dirty="0" smtClean="0">
+                <a:ea typeface="Helvetica Neue"/>
+                <a:cs typeface="Helvetica Neue"/>
+                <a:sym typeface="Helvetica Neue"/>
+              </a:rPr>
+              <a:t> </a:t>
             </a:r>
             <a:r>
               <a:rPr lang="en-US" sz="3200" dirty="0">
@@ -17221,7 +17431,7 @@
                 <a:cs typeface="Helvetica Neue"/>
                 <a:sym typeface="Helvetica Neue"/>
               </a:rPr>
-              <a:t> on les </a:t>
+              <a:t>les </a:t>
             </a:r>
             <a:r>
               <a:rPr lang="en-US" sz="3200" dirty="0" err="1">
@@ -17297,7 +17507,7 @@
           <p:nvPr>
             <p:extLst>
               <p:ext uri="{D42A27DB-BD31-4B8C-83A1-F6EECF244321}">
-                <p14:modId xmlns:p14="http://schemas.microsoft.com/office/powerpoint/2010/main" val="942276594"/>
+                <p14:modId xmlns:p14="http://schemas.microsoft.com/office/powerpoint/2010/main" val="3267099792"/>
               </p:ext>
             </p:extLst>
           </p:nvPr>
@@ -17347,9 +17557,18 @@
   <p:clrMapOvr>
     <a:masterClrMapping/>
   </p:clrMapOvr>
-  <p:transition spd="slow">
-    <p:cut/>
-  </p:transition>
+  <mc:AlternateContent xmlns:mc="http://schemas.openxmlformats.org/markup-compatibility/2006">
+    <mc:Choice xmlns:p14="http://schemas.microsoft.com/office/powerpoint/2010/main" Requires="p14">
+      <p:transition spd="med" p14:dur="700">
+        <p:fade/>
+      </p:transition>
+    </mc:Choice>
+    <mc:Fallback>
+      <p:transition spd="med">
+        <p:fade/>
+      </p:transition>
+    </mc:Fallback>
+  </mc:AlternateContent>
   <p:timing>
     <p:tnLst>
       <p:par>
@@ -17693,9 +17912,18 @@
   <p:clrMapOvr>
     <a:masterClrMapping/>
   </p:clrMapOvr>
-  <p:transition spd="slow">
-    <p:cut/>
-  </p:transition>
+  <mc:AlternateContent xmlns:mc="http://schemas.openxmlformats.org/markup-compatibility/2006">
+    <mc:Choice xmlns:p14="http://schemas.microsoft.com/office/powerpoint/2010/main" Requires="p14">
+      <p:transition spd="med" p14:dur="700">
+        <p:fade/>
+      </p:transition>
+    </mc:Choice>
+    <mc:Fallback>
+      <p:transition spd="med">
+        <p:fade/>
+      </p:transition>
+    </mc:Fallback>
+  </mc:AlternateContent>
   <p:timing>
     <p:tnLst>
       <p:par>
@@ -17821,9 +18049,18 @@
   <p:clrMapOvr>
     <a:masterClrMapping/>
   </p:clrMapOvr>
-  <p:transition spd="slow">
-    <p:cut/>
-  </p:transition>
+  <mc:AlternateContent xmlns:mc="http://schemas.openxmlformats.org/markup-compatibility/2006">
+    <mc:Choice xmlns:p14="http://schemas.microsoft.com/office/powerpoint/2010/main" Requires="p14">
+      <p:transition spd="med" p14:dur="700">
+        <p:fade/>
+      </p:transition>
+    </mc:Choice>
+    <mc:Fallback>
+      <p:transition spd="med">
+        <p:fade/>
+      </p:transition>
+    </mc:Fallback>
+  </mc:AlternateContent>
   <p:timing>
     <p:tnLst>
       <p:par>
@@ -18263,9 +18500,18 @@
   <p:clrMapOvr>
     <a:masterClrMapping/>
   </p:clrMapOvr>
-  <p:transition spd="slow">
-    <p:cut/>
-  </p:transition>
+  <mc:AlternateContent xmlns:mc="http://schemas.openxmlformats.org/markup-compatibility/2006">
+    <mc:Choice xmlns:p14="http://schemas.microsoft.com/office/powerpoint/2010/main" Requires="p14">
+      <p:transition spd="med" p14:dur="700">
+        <p:fade/>
+      </p:transition>
+    </mc:Choice>
+    <mc:Fallback>
+      <p:transition spd="med">
+        <p:fade/>
+      </p:transition>
+    </mc:Fallback>
+  </mc:AlternateContent>
   <p:timing>
     <p:tnLst>
       <p:par>
@@ -18449,23 +18695,7 @@
                 <a:cs typeface="Helvetica Neue"/>
                 <a:sym typeface="Helvetica Neue"/>
               </a:rPr>
-              <a:t>Tout</a:t>
-            </a:r>
-            <a:r>
-              <a:rPr lang="fr-FR" sz="3600" dirty="0" smtClean="0">
-                <a:ea typeface="Helvetica Neue"/>
-                <a:cs typeface="Helvetica Neue"/>
-                <a:sym typeface="Helvetica Neue"/>
-              </a:rPr>
-              <a:t> </a:t>
-            </a:r>
-            <a:r>
-              <a:rPr lang="fr-FR" sz="3600" dirty="0" smtClean="0">
-                <a:ea typeface="Helvetica Neue"/>
-                <a:cs typeface="Helvetica Neue"/>
-                <a:sym typeface="Helvetica Neue"/>
-              </a:rPr>
-              <a:t>salarié peut la consulter dans son entreprise.</a:t>
+              <a:t>Tout salarié peut la consulter dans son entreprise.</a:t>
             </a:r>
           </a:p>
           <a:p>
@@ -18604,9 +18834,18 @@
   <p:clrMapOvr>
     <a:masterClrMapping/>
   </p:clrMapOvr>
-  <p:transition spd="slow">
-    <p:cut/>
-  </p:transition>
+  <mc:AlternateContent xmlns:mc="http://schemas.openxmlformats.org/markup-compatibility/2006">
+    <mc:Choice xmlns:p14="http://schemas.microsoft.com/office/powerpoint/2010/main" Requires="p14">
+      <p:transition spd="med" p14:dur="700">
+        <p:fade/>
+      </p:transition>
+    </mc:Choice>
+    <mc:Fallback>
+      <p:transition spd="med">
+        <p:fade/>
+      </p:transition>
+    </mc:Fallback>
+  </mc:AlternateContent>
   <p:timing>
     <p:tnLst>
       <p:par>
@@ -19129,9 +19368,18 @@
   <p:clrMapOvr>
     <a:masterClrMapping/>
   </p:clrMapOvr>
-  <p:transition spd="slow">
-    <p:cut/>
-  </p:transition>
+  <mc:AlternateContent xmlns:mc="http://schemas.openxmlformats.org/markup-compatibility/2006">
+    <mc:Choice xmlns:p14="http://schemas.microsoft.com/office/powerpoint/2010/main" Requires="p14">
+      <p:transition spd="med" p14:dur="700">
+        <p:fade/>
+      </p:transition>
+    </mc:Choice>
+    <mc:Fallback>
+      <p:transition spd="med">
+        <p:fade/>
+      </p:transition>
+    </mc:Fallback>
+  </mc:AlternateContent>
   <p:timing>
     <p:tnLst>
       <p:par>
@@ -19423,9 +19671,18 @@
   <p:clrMapOvr>
     <a:masterClrMapping/>
   </p:clrMapOvr>
-  <p:transition spd="slow">
-    <p:cut/>
-  </p:transition>
+  <mc:AlternateContent xmlns:mc="http://schemas.openxmlformats.org/markup-compatibility/2006">
+    <mc:Choice xmlns:p14="http://schemas.microsoft.com/office/powerpoint/2010/main" Requires="p14">
+      <p:transition spd="med" p14:dur="700">
+        <p:fade/>
+      </p:transition>
+    </mc:Choice>
+    <mc:Fallback>
+      <p:transition spd="med">
+        <p:fade/>
+      </p:transition>
+    </mc:Fallback>
+  </mc:AlternateContent>
   <p:timing>
     <p:tnLst>
       <p:par>
@@ -19581,9 +19838,18 @@
   <p:clrMapOvr>
     <a:masterClrMapping/>
   </p:clrMapOvr>
-  <p:transition spd="slow">
-    <p:cut/>
-  </p:transition>
+  <mc:AlternateContent xmlns:mc="http://schemas.openxmlformats.org/markup-compatibility/2006">
+    <mc:Choice xmlns:p14="http://schemas.microsoft.com/office/powerpoint/2010/main" Requires="p14">
+      <p:transition spd="med" p14:dur="700">
+        <p:fade/>
+      </p:transition>
+    </mc:Choice>
+    <mc:Fallback>
+      <p:transition spd="med">
+        <p:fade/>
+      </p:transition>
+    </mc:Fallback>
+  </mc:AlternateContent>
   <p:timing>
     <p:tnLst>
       <p:par>
@@ -19821,9 +20087,18 @@
   <p:clrMapOvr>
     <a:masterClrMapping/>
   </p:clrMapOvr>
-  <p:transition spd="slow">
-    <p:cut/>
-  </p:transition>
+  <mc:AlternateContent xmlns:mc="http://schemas.openxmlformats.org/markup-compatibility/2006">
+    <mc:Choice xmlns:p14="http://schemas.microsoft.com/office/powerpoint/2010/main" Requires="p14">
+      <p:transition spd="med" p14:dur="700">
+        <p:fade/>
+      </p:transition>
+    </mc:Choice>
+    <mc:Fallback>
+      <p:transition spd="med">
+        <p:fade/>
+      </p:transition>
+    </mc:Fallback>
+  </mc:AlternateContent>
   <p:timing>
     <p:tnLst>
       <p:par>
@@ -19952,9 +20227,18 @@
   <p:clrMapOvr>
     <a:masterClrMapping/>
   </p:clrMapOvr>
-  <p:transition spd="slow">
-    <p:cut/>
-  </p:transition>
+  <mc:AlternateContent xmlns:mc="http://schemas.openxmlformats.org/markup-compatibility/2006">
+    <mc:Choice xmlns:p14="http://schemas.microsoft.com/office/powerpoint/2010/main" Requires="p14">
+      <p:transition spd="med" p14:dur="700">
+        <p:fade/>
+      </p:transition>
+    </mc:Choice>
+    <mc:Fallback>
+      <p:transition spd="med">
+        <p:fade/>
+      </p:transition>
+    </mc:Fallback>
+  </mc:AlternateContent>
   <p:timing>
     <p:tnLst>
       <p:par>
@@ -20331,9 +20615,18 @@
   <p:clrMapOvr>
     <a:masterClrMapping/>
   </p:clrMapOvr>
-  <p:transition spd="slow">
-    <p:cut/>
-  </p:transition>
+  <mc:AlternateContent xmlns:mc="http://schemas.openxmlformats.org/markup-compatibility/2006">
+    <mc:Choice xmlns:p14="http://schemas.microsoft.com/office/powerpoint/2010/main" Requires="p14">
+      <p:transition spd="med" p14:dur="700">
+        <p:fade/>
+      </p:transition>
+    </mc:Choice>
+    <mc:Fallback>
+      <p:transition spd="med">
+        <p:fade/>
+      </p:transition>
+    </mc:Fallback>
+  </mc:AlternateContent>
   <p:timing>
     <p:tnLst>
       <p:par>
@@ -20937,9 +21230,18 @@
   <p:clrMapOvr>
     <a:masterClrMapping/>
   </p:clrMapOvr>
-  <p:transition spd="slow">
-    <p:cut/>
-  </p:transition>
+  <mc:AlternateContent xmlns:mc="http://schemas.openxmlformats.org/markup-compatibility/2006">
+    <mc:Choice xmlns:p14="http://schemas.microsoft.com/office/powerpoint/2010/main" Requires="p14">
+      <p:transition spd="med" p14:dur="700">
+        <p:fade/>
+      </p:transition>
+    </mc:Choice>
+    <mc:Fallback>
+      <p:transition spd="med">
+        <p:fade/>
+      </p:transition>
+    </mc:Fallback>
+  </mc:AlternateContent>
   <p:timing>
     <p:tnLst>
       <p:par>
@@ -21162,9 +21464,18 @@
   <p:clrMapOvr>
     <a:masterClrMapping/>
   </p:clrMapOvr>
-  <p:transition spd="slow">
-    <p:cut/>
-  </p:transition>
+  <mc:AlternateContent xmlns:mc="http://schemas.openxmlformats.org/markup-compatibility/2006">
+    <mc:Choice xmlns:p14="http://schemas.microsoft.com/office/powerpoint/2010/main" Requires="p14">
+      <p:transition spd="med" p14:dur="700">
+        <p:fade/>
+      </p:transition>
+    </mc:Choice>
+    <mc:Fallback>
+      <p:transition spd="med">
+        <p:fade/>
+      </p:transition>
+    </mc:Fallback>
+  </mc:AlternateContent>
   <p:timing>
     <p:tnLst>
       <p:par>
@@ -21285,9 +21596,18 @@
   <p:clrMapOvr>
     <a:masterClrMapping/>
   </p:clrMapOvr>
-  <p:transition spd="slow">
-    <p:cut/>
-  </p:transition>
+  <mc:AlternateContent xmlns:mc="http://schemas.openxmlformats.org/markup-compatibility/2006">
+    <mc:Choice xmlns:p14="http://schemas.microsoft.com/office/powerpoint/2010/main" Requires="p14">
+      <p:transition spd="med" p14:dur="700">
+        <p:fade/>
+      </p:transition>
+    </mc:Choice>
+    <mc:Fallback>
+      <p:transition spd="med">
+        <p:fade/>
+      </p:transition>
+    </mc:Fallback>
+  </mc:AlternateContent>
   <p:timing>
     <p:tnLst>
       <p:par>
@@ -21480,9 +21800,18 @@
   <p:clrMapOvr>
     <a:masterClrMapping/>
   </p:clrMapOvr>
-  <p:transition spd="slow">
-    <p:cut/>
-  </p:transition>
+  <mc:AlternateContent xmlns:mc="http://schemas.openxmlformats.org/markup-compatibility/2006">
+    <mc:Choice xmlns:p14="http://schemas.microsoft.com/office/powerpoint/2010/main" Requires="p14">
+      <p:transition spd="med" p14:dur="700">
+        <p:fade/>
+      </p:transition>
+    </mc:Choice>
+    <mc:Fallback>
+      <p:transition spd="med">
+        <p:fade/>
+      </p:transition>
+    </mc:Fallback>
+  </mc:AlternateContent>
   <p:timing>
     <p:tnLst>
       <p:par>
@@ -21930,9 +22259,18 @@
   <p:clrMapOvr>
     <a:masterClrMapping/>
   </p:clrMapOvr>
-  <p:transition spd="slow">
-    <p:cut/>
-  </p:transition>
+  <mc:AlternateContent xmlns:mc="http://schemas.openxmlformats.org/markup-compatibility/2006">
+    <mc:Choice xmlns:p14="http://schemas.microsoft.com/office/powerpoint/2010/main" Requires="p14">
+      <p:transition spd="med" p14:dur="700">
+        <p:fade/>
+      </p:transition>
+    </mc:Choice>
+    <mc:Fallback>
+      <p:transition spd="med">
+        <p:fade/>
+      </p:transition>
+    </mc:Fallback>
+  </mc:AlternateContent>
   <p:timing>
     <p:tnLst>
       <p:par>
